--- a/Day 9 KMeans Clustering.pptx
+++ b/Day 9 KMeans Clustering.pptx
@@ -115,6 +115,11 @@
       </a:defRPr>
     </a:lvl9pPr>
   </p:defaultTextStyle>
+  <p:extLst>
+    <p:ext uri="{EFAFB233-063F-42B5-8137-9DF3F51BA10A}">
+      <p15:sldGuideLst xmlns:p15="http://schemas.microsoft.com/office/powerpoint/2012/main"/>
+    </p:ext>
+  </p:extLst>
 </p:presentation>
 </file>
 
@@ -453,7 +458,7 @@
           <a:p>
             <a:fld id="{523CD37D-3F21-42AB-A511-212061CC6233}" type="datetimeFigureOut">
               <a:rPr lang="en-IN" smtClean="0"/>
-              <a:t>07-11-2023</a:t>
+              <a:t>08-11-2023</a:t>
             </a:fld>
             <a:endParaRPr lang="en-IN"/>
           </a:p>
@@ -1541,7 +1546,7 @@
           <a:p>
             <a:fld id="{523CD37D-3F21-42AB-A511-212061CC6233}" type="datetimeFigureOut">
               <a:rPr lang="en-IN" smtClean="0"/>
-              <a:t>07-11-2023</a:t>
+              <a:t>08-11-2023</a:t>
             </a:fld>
             <a:endParaRPr lang="en-IN"/>
           </a:p>
@@ -2521,7 +2526,7 @@
           <a:p>
             <a:fld id="{523CD37D-3F21-42AB-A511-212061CC6233}" type="datetimeFigureOut">
               <a:rPr lang="en-IN" smtClean="0"/>
-              <a:t>07-11-2023</a:t>
+              <a:t>08-11-2023</a:t>
             </a:fld>
             <a:endParaRPr lang="en-IN"/>
           </a:p>
@@ -3655,7 +3660,7 @@
           <a:p>
             <a:fld id="{523CD37D-3F21-42AB-A511-212061CC6233}" type="datetimeFigureOut">
               <a:rPr lang="en-IN" smtClean="0"/>
-              <a:t>07-11-2023</a:t>
+              <a:t>08-11-2023</a:t>
             </a:fld>
             <a:endParaRPr lang="en-IN"/>
           </a:p>
@@ -4688,7 +4693,7 @@
           <a:p>
             <a:fld id="{523CD37D-3F21-42AB-A511-212061CC6233}" type="datetimeFigureOut">
               <a:rPr lang="en-IN" smtClean="0"/>
-              <a:t>07-11-2023</a:t>
+              <a:t>08-11-2023</a:t>
             </a:fld>
             <a:endParaRPr lang="en-IN"/>
           </a:p>
@@ -5348,7 +5353,7 @@
           <a:p>
             <a:fld id="{523CD37D-3F21-42AB-A511-212061CC6233}" type="datetimeFigureOut">
               <a:rPr lang="en-IN" smtClean="0"/>
-              <a:t>07-11-2023</a:t>
+              <a:t>08-11-2023</a:t>
             </a:fld>
             <a:endParaRPr lang="en-IN"/>
           </a:p>
@@ -6209,7 +6214,7 @@
           <a:p>
             <a:fld id="{523CD37D-3F21-42AB-A511-212061CC6233}" type="datetimeFigureOut">
               <a:rPr lang="en-IN" smtClean="0"/>
-              <a:t>07-11-2023</a:t>
+              <a:t>08-11-2023</a:t>
             </a:fld>
             <a:endParaRPr lang="en-IN"/>
           </a:p>
@@ -6399,7 +6404,7 @@
           <a:p>
             <a:fld id="{523CD37D-3F21-42AB-A511-212061CC6233}" type="datetimeFigureOut">
               <a:rPr lang="en-IN" smtClean="0"/>
-              <a:t>07-11-2023</a:t>
+              <a:t>08-11-2023</a:t>
             </a:fld>
             <a:endParaRPr lang="en-IN"/>
           </a:p>
@@ -7371,7 +7376,7 @@
           <a:p>
             <a:fld id="{523CD37D-3F21-42AB-A511-212061CC6233}" type="datetimeFigureOut">
               <a:rPr lang="en-IN" smtClean="0"/>
-              <a:t>07-11-2023</a:t>
+              <a:t>08-11-2023</a:t>
             </a:fld>
             <a:endParaRPr lang="en-IN"/>
           </a:p>
@@ -7582,7 +7587,7 @@
           <a:p>
             <a:fld id="{523CD37D-3F21-42AB-A511-212061CC6233}" type="datetimeFigureOut">
               <a:rPr lang="en-IN" smtClean="0"/>
-              <a:t>07-11-2023</a:t>
+              <a:t>08-11-2023</a:t>
             </a:fld>
             <a:endParaRPr lang="en-IN"/>
           </a:p>
@@ -8616,7 +8621,7 @@
           <a:p>
             <a:fld id="{523CD37D-3F21-42AB-A511-212061CC6233}" type="datetimeFigureOut">
               <a:rPr lang="en-IN" smtClean="0"/>
-              <a:t>07-11-2023</a:t>
+              <a:t>08-11-2023</a:t>
             </a:fld>
             <a:endParaRPr lang="en-IN"/>
           </a:p>
@@ -8888,7 +8893,7 @@
           <a:p>
             <a:fld id="{523CD37D-3F21-42AB-A511-212061CC6233}" type="datetimeFigureOut">
               <a:rPr lang="en-IN" smtClean="0"/>
-              <a:t>07-11-2023</a:t>
+              <a:t>08-11-2023</a:t>
             </a:fld>
             <a:endParaRPr lang="en-IN"/>
           </a:p>
@@ -9298,7 +9303,7 @@
           <a:p>
             <a:fld id="{523CD37D-3F21-42AB-A511-212061CC6233}" type="datetimeFigureOut">
               <a:rPr lang="en-IN" smtClean="0"/>
-              <a:t>07-11-2023</a:t>
+              <a:t>08-11-2023</a:t>
             </a:fld>
             <a:endParaRPr lang="en-IN"/>
           </a:p>
@@ -9425,7 +9430,7 @@
           <a:p>
             <a:fld id="{523CD37D-3F21-42AB-A511-212061CC6233}" type="datetimeFigureOut">
               <a:rPr lang="en-IN" smtClean="0"/>
-              <a:t>07-11-2023</a:t>
+              <a:t>08-11-2023</a:t>
             </a:fld>
             <a:endParaRPr lang="en-IN"/>
           </a:p>
@@ -9520,7 +9525,7 @@
           <a:p>
             <a:fld id="{523CD37D-3F21-42AB-A511-212061CC6233}" type="datetimeFigureOut">
               <a:rPr lang="en-IN" smtClean="0"/>
-              <a:t>07-11-2023</a:t>
+              <a:t>08-11-2023</a:t>
             </a:fld>
             <a:endParaRPr lang="en-IN"/>
           </a:p>
@@ -10601,7 +10606,7 @@
           <a:p>
             <a:fld id="{523CD37D-3F21-42AB-A511-212061CC6233}" type="datetimeFigureOut">
               <a:rPr lang="en-IN" smtClean="0"/>
-              <a:t>07-11-2023</a:t>
+              <a:t>08-11-2023</a:t>
             </a:fld>
             <a:endParaRPr lang="en-IN"/>
           </a:p>
@@ -11709,7 +11714,7 @@
           <a:p>
             <a:fld id="{523CD37D-3F21-42AB-A511-212061CC6233}" type="datetimeFigureOut">
               <a:rPr lang="en-IN" smtClean="0"/>
-              <a:t>07-11-2023</a:t>
+              <a:t>08-11-2023</a:t>
             </a:fld>
             <a:endParaRPr lang="en-IN"/>
           </a:p>
@@ -12706,7 +12711,7 @@
           <a:p>
             <a:fld id="{523CD37D-3F21-42AB-A511-212061CC6233}" type="datetimeFigureOut">
               <a:rPr lang="en-IN" smtClean="0"/>
-              <a:t>07-11-2023</a:t>
+              <a:t>08-11-2023</a:t>
             </a:fld>
             <a:endParaRPr lang="en-IN"/>
           </a:p>
@@ -14102,10 +14107,139 @@
           <a:bodyPr/>
           <a:lstStyle/>
           <a:p>
-            <a:endParaRPr lang="en-IN" dirty="0"/>
+            <a:pPr marL="0" indent="0">
+              <a:buNone/>
+            </a:pPr>
+            <a:r>
+              <a:rPr lang="en-IN" dirty="0"/>
+              <a:t> </a:t>
+            </a:r>
           </a:p>
         </p:txBody>
       </p:sp>
+      <p:pic>
+        <p:nvPicPr>
+          <p:cNvPr id="11" name="Picture 10">
+            <a:extLst>
+              <a:ext uri="{FF2B5EF4-FFF2-40B4-BE49-F238E27FC236}">
+                <a16:creationId xmlns:a16="http://schemas.microsoft.com/office/drawing/2014/main" id="{A8A24926-561D-2640-2E6C-9C3BA2F4C073}"/>
+              </a:ext>
+            </a:extLst>
+          </p:cNvPr>
+          <p:cNvPicPr>
+            <a:picLocks noChangeAspect="1"/>
+          </p:cNvPicPr>
+          <p:nvPr/>
+        </p:nvPicPr>
+        <p:blipFill>
+          <a:blip r:embed="rId2">
+            <a:extLst>
+              <a:ext uri="{28A0092B-C50C-407E-A947-70E740481C1C}">
+                <a14:useLocalDpi xmlns:a14="http://schemas.microsoft.com/office/drawing/2010/main" val="0"/>
+              </a:ext>
+            </a:extLst>
+          </a:blip>
+          <a:stretch>
+            <a:fillRect/>
+          </a:stretch>
+        </p:blipFill>
+        <p:spPr>
+          <a:xfrm>
+            <a:off x="660873" y="2449488"/>
+            <a:ext cx="3606864" cy="2085534"/>
+          </a:xfrm>
+          <a:prstGeom prst="rect">
+            <a:avLst/>
+          </a:prstGeom>
+          <a:ln>
+            <a:solidFill>
+              <a:schemeClr val="tx1"/>
+            </a:solidFill>
+          </a:ln>
+        </p:spPr>
+      </p:pic>
+      <p:pic>
+        <p:nvPicPr>
+          <p:cNvPr id="13" name="Picture 12">
+            <a:extLst>
+              <a:ext uri="{FF2B5EF4-FFF2-40B4-BE49-F238E27FC236}">
+                <a16:creationId xmlns:a16="http://schemas.microsoft.com/office/drawing/2014/main" id="{926B9AD9-07A5-78F3-04E5-0160ADE9E016}"/>
+              </a:ext>
+            </a:extLst>
+          </p:cNvPr>
+          <p:cNvPicPr>
+            <a:picLocks noChangeAspect="1"/>
+          </p:cNvPicPr>
+          <p:nvPr/>
+        </p:nvPicPr>
+        <p:blipFill>
+          <a:blip r:embed="rId3">
+            <a:extLst>
+              <a:ext uri="{28A0092B-C50C-407E-A947-70E740481C1C}">
+                <a14:useLocalDpi xmlns:a14="http://schemas.microsoft.com/office/drawing/2010/main" val="0"/>
+              </a:ext>
+            </a:extLst>
+          </a:blip>
+          <a:stretch>
+            <a:fillRect/>
+          </a:stretch>
+        </p:blipFill>
+        <p:spPr>
+          <a:xfrm>
+            <a:off x="7511845" y="2449489"/>
+            <a:ext cx="3525201" cy="2085534"/>
+          </a:xfrm>
+          <a:prstGeom prst="rect">
+            <a:avLst/>
+          </a:prstGeom>
+          <a:ln>
+            <a:solidFill>
+              <a:schemeClr val="tx1"/>
+            </a:solidFill>
+          </a:ln>
+        </p:spPr>
+      </p:pic>
+      <p:pic>
+        <p:nvPicPr>
+          <p:cNvPr id="15" name="Picture 14">
+            <a:extLst>
+              <a:ext uri="{FF2B5EF4-FFF2-40B4-BE49-F238E27FC236}">
+                <a16:creationId xmlns:a16="http://schemas.microsoft.com/office/drawing/2014/main" id="{99110C47-0B86-4732-B2F5-6527807CD8B4}"/>
+              </a:ext>
+            </a:extLst>
+          </p:cNvPr>
+          <p:cNvPicPr>
+            <a:picLocks noChangeAspect="1"/>
+          </p:cNvPicPr>
+          <p:nvPr/>
+        </p:nvPicPr>
+        <p:blipFill>
+          <a:blip r:embed="rId4">
+            <a:extLst>
+              <a:ext uri="{28A0092B-C50C-407E-A947-70E740481C1C}">
+                <a14:useLocalDpi xmlns:a14="http://schemas.microsoft.com/office/drawing/2010/main" val="0"/>
+              </a:ext>
+            </a:extLst>
+          </a:blip>
+          <a:stretch>
+            <a:fillRect/>
+          </a:stretch>
+        </p:blipFill>
+        <p:spPr>
+          <a:xfrm>
+            <a:off x="3954735" y="4562523"/>
+            <a:ext cx="3770952" cy="2175976"/>
+          </a:xfrm>
+          <a:prstGeom prst="rect">
+            <a:avLst/>
+          </a:prstGeom>
+          <a:ln>
+            <a:solidFill>
+              <a:schemeClr val="tx1"/>
+            </a:solidFill>
+          </a:ln>
+        </p:spPr>
+      </p:pic>
     </p:spTree>
     <p:extLst>
       <p:ext uri="{BB962C8B-B14F-4D97-AF65-F5344CB8AC3E}">
